--- a/lectures/Lec9.pptx
+++ b/lectures/Lec9.pptx
@@ -6756,6 +6756,48 @@
           </a:p>
         </p:txBody>
       </p:sp>
+      <p:pic>
+        <p:nvPicPr>
+          <p:cNvPr id="5" name="Picture 4">
+            <a:extLst>
+              <a:ext uri="{FF2B5EF4-FFF2-40B4-BE49-F238E27FC236}">
+                <a16:creationId xmlns:a16="http://schemas.microsoft.com/office/drawing/2014/main" id="{3DFC8D0D-E6C0-6938-0BBD-CA7048DDAEE7}"/>
+              </a:ext>
+            </a:extLst>
+          </p:cNvPr>
+          <p:cNvPicPr>
+            <a:picLocks noChangeAspect="1"/>
+          </p:cNvPicPr>
+          <p:nvPr/>
+        </p:nvPicPr>
+        <p:blipFill>
+          <a:blip r:embed="rId2">
+            <a:extLst>
+              <a:ext uri="{28A0092B-C50C-407E-A947-70E740481C1C}">
+                <a14:useLocalDpi xmlns:a14="http://schemas.microsoft.com/office/drawing/2010/main" val="0"/>
+              </a:ext>
+            </a:extLst>
+          </a:blip>
+          <a:stretch>
+            <a:fillRect/>
+          </a:stretch>
+        </p:blipFill>
+        <p:spPr>
+          <a:xfrm>
+            <a:off x="5259154" y="2536683"/>
+            <a:ext cx="4982127" cy="2799322"/>
+          </a:xfrm>
+          <a:prstGeom prst="rect">
+            <a:avLst/>
+          </a:prstGeom>
+          <a:ln>
+            <a:noFill/>
+          </a:ln>
+          <a:effectLst>
+            <a:softEdge rad="112500"/>
+          </a:effectLst>
+        </p:spPr>
+      </p:pic>
     </p:spTree>
     <p:extLst>
       <p:ext uri="{BB962C8B-B14F-4D97-AF65-F5344CB8AC3E}">
@@ -7144,6 +7186,43 @@
           </a:p>
         </p:txBody>
       </p:sp>
+      <p:pic>
+        <p:nvPicPr>
+          <p:cNvPr id="3" name="Picture 2">
+            <a:extLst>
+              <a:ext uri="{FF2B5EF4-FFF2-40B4-BE49-F238E27FC236}">
+                <a16:creationId xmlns:a16="http://schemas.microsoft.com/office/drawing/2014/main" id="{8AC42E3D-D46D-9567-7A4A-92AA26093CB3}"/>
+              </a:ext>
+            </a:extLst>
+          </p:cNvPr>
+          <p:cNvPicPr>
+            <a:picLocks noChangeAspect="1"/>
+          </p:cNvPicPr>
+          <p:nvPr/>
+        </p:nvPicPr>
+        <p:blipFill>
+          <a:blip r:embed="rId2">
+            <a:extLst>
+              <a:ext uri="{28A0092B-C50C-407E-A947-70E740481C1C}">
+                <a14:useLocalDpi xmlns:a14="http://schemas.microsoft.com/office/drawing/2010/main" val="0"/>
+              </a:ext>
+            </a:extLst>
+          </a:blip>
+          <a:srcRect b="26938"/>
+          <a:stretch>
+            <a:fillRect/>
+          </a:stretch>
+        </p:blipFill>
+        <p:spPr>
+          <a:xfrm>
+            <a:off x="6096000" y="2916722"/>
+            <a:ext cx="5112920" cy="2357922"/>
+          </a:xfrm>
+          <a:prstGeom prst="rect">
+            <a:avLst/>
+          </a:prstGeom>
+        </p:spPr>
+      </p:pic>
     </p:spTree>
     <p:extLst>
       <p:ext uri="{BB962C8B-B14F-4D97-AF65-F5344CB8AC3E}">
@@ -7494,6 +7573,42 @@
           </a:p>
         </p:txBody>
       </p:sp>
+      <p:pic>
+        <p:nvPicPr>
+          <p:cNvPr id="3" name="Picture 2">
+            <a:extLst>
+              <a:ext uri="{FF2B5EF4-FFF2-40B4-BE49-F238E27FC236}">
+                <a16:creationId xmlns:a16="http://schemas.microsoft.com/office/drawing/2014/main" id="{99C51767-4347-C7B6-95B7-2452DF6AF285}"/>
+              </a:ext>
+            </a:extLst>
+          </p:cNvPr>
+          <p:cNvPicPr>
+            <a:picLocks noChangeAspect="1"/>
+          </p:cNvPicPr>
+          <p:nvPr/>
+        </p:nvPicPr>
+        <p:blipFill>
+          <a:blip r:embed="rId2">
+            <a:extLst>
+              <a:ext uri="{28A0092B-C50C-407E-A947-70E740481C1C}">
+                <a14:useLocalDpi xmlns:a14="http://schemas.microsoft.com/office/drawing/2010/main" val="0"/>
+              </a:ext>
+            </a:extLst>
+          </a:blip>
+          <a:stretch>
+            <a:fillRect/>
+          </a:stretch>
+        </p:blipFill>
+        <p:spPr>
+          <a:xfrm>
+            <a:off x="5289583" y="2798527"/>
+            <a:ext cx="4739941" cy="2057218"/>
+          </a:xfrm>
+          <a:prstGeom prst="rect">
+            <a:avLst/>
+          </a:prstGeom>
+        </p:spPr>
+      </p:pic>
     </p:spTree>
     <p:extLst>
       <p:ext uri="{BB962C8B-B14F-4D97-AF65-F5344CB8AC3E}">
@@ -7813,6 +7928,120 @@
           </a:p>
         </p:txBody>
       </p:sp>
+      <p:pic>
+        <p:nvPicPr>
+          <p:cNvPr id="3" name="Picture 2">
+            <a:extLst>
+              <a:ext uri="{FF2B5EF4-FFF2-40B4-BE49-F238E27FC236}">
+                <a16:creationId xmlns:a16="http://schemas.microsoft.com/office/drawing/2014/main" id="{2AE0BFA7-392A-60CF-C90C-FB37FEEA9D1E}"/>
+              </a:ext>
+            </a:extLst>
+          </p:cNvPr>
+          <p:cNvPicPr>
+            <a:picLocks noChangeAspect="1"/>
+          </p:cNvPicPr>
+          <p:nvPr/>
+        </p:nvPicPr>
+        <p:blipFill>
+          <a:blip r:embed="rId2">
+            <a:extLst>
+              <a:ext uri="{28A0092B-C50C-407E-A947-70E740481C1C}">
+                <a14:useLocalDpi xmlns:a14="http://schemas.microsoft.com/office/drawing/2010/main" val="0"/>
+              </a:ext>
+            </a:extLst>
+          </a:blip>
+          <a:stretch>
+            <a:fillRect/>
+          </a:stretch>
+        </p:blipFill>
+        <p:spPr>
+          <a:xfrm>
+            <a:off x="8553450" y="1302683"/>
+            <a:ext cx="1408698" cy="1118014"/>
+          </a:xfrm>
+          <a:prstGeom prst="rect">
+            <a:avLst/>
+          </a:prstGeom>
+        </p:spPr>
+      </p:pic>
+      <p:pic>
+        <p:nvPicPr>
+          <p:cNvPr id="5" name="Picture 4">
+            <a:extLst>
+              <a:ext uri="{FF2B5EF4-FFF2-40B4-BE49-F238E27FC236}">
+                <a16:creationId xmlns:a16="http://schemas.microsoft.com/office/drawing/2014/main" id="{28DEAD0F-F21C-4C97-F6DC-42198DCD7AAF}"/>
+              </a:ext>
+            </a:extLst>
+          </p:cNvPr>
+          <p:cNvPicPr>
+            <a:picLocks noChangeAspect="1"/>
+          </p:cNvPicPr>
+          <p:nvPr/>
+        </p:nvPicPr>
+        <p:blipFill>
+          <a:blip r:embed="rId3">
+            <a:extLst>
+              <a:ext uri="{28A0092B-C50C-407E-A947-70E740481C1C}">
+                <a14:useLocalDpi xmlns:a14="http://schemas.microsoft.com/office/drawing/2010/main" val="0"/>
+              </a:ext>
+            </a:extLst>
+          </a:blip>
+          <a:stretch>
+            <a:fillRect/>
+          </a:stretch>
+        </p:blipFill>
+        <p:spPr>
+          <a:xfrm>
+            <a:off x="7728033" y="2518158"/>
+            <a:ext cx="2867025" cy="1590675"/>
+          </a:xfrm>
+          <a:prstGeom prst="rect">
+            <a:avLst/>
+          </a:prstGeom>
+        </p:spPr>
+      </p:pic>
+      <p:pic>
+        <p:nvPicPr>
+          <p:cNvPr id="7" name="Picture 6">
+            <a:extLst>
+              <a:ext uri="{FF2B5EF4-FFF2-40B4-BE49-F238E27FC236}">
+                <a16:creationId xmlns:a16="http://schemas.microsoft.com/office/drawing/2014/main" id="{3D8C440D-835A-98CB-2AC5-6241C923D77C}"/>
+              </a:ext>
+            </a:extLst>
+          </p:cNvPr>
+          <p:cNvPicPr>
+            <a:picLocks noChangeAspect="1"/>
+          </p:cNvPicPr>
+          <p:nvPr/>
+        </p:nvPicPr>
+        <p:blipFill>
+          <a:blip r:embed="rId4">
+            <a:extLst>
+              <a:ext uri="{28A0092B-C50C-407E-A947-70E740481C1C}">
+                <a14:useLocalDpi xmlns:a14="http://schemas.microsoft.com/office/drawing/2010/main" val="0"/>
+              </a:ext>
+            </a:extLst>
+          </a:blip>
+          <a:stretch>
+            <a:fillRect/>
+          </a:stretch>
+        </p:blipFill>
+        <p:spPr>
+          <a:xfrm>
+            <a:off x="7528008" y="4812367"/>
+            <a:ext cx="3067050" cy="1485900"/>
+          </a:xfrm>
+          <a:prstGeom prst="rect">
+            <a:avLst/>
+          </a:prstGeom>
+          <a:ln>
+            <a:noFill/>
+          </a:ln>
+          <a:effectLst>
+            <a:softEdge rad="112500"/>
+          </a:effectLst>
+        </p:spPr>
+      </p:pic>
     </p:spTree>
     <p:extLst>
       <p:ext uri="{BB962C8B-B14F-4D97-AF65-F5344CB8AC3E}">
@@ -9471,6 +9700,49 @@
           </a:p>
         </p:txBody>
       </p:sp>
+      <p:pic>
+        <p:nvPicPr>
+          <p:cNvPr id="4" name="Picture 3">
+            <a:extLst>
+              <a:ext uri="{FF2B5EF4-FFF2-40B4-BE49-F238E27FC236}">
+                <a16:creationId xmlns:a16="http://schemas.microsoft.com/office/drawing/2014/main" id="{CEC87760-D35D-9D66-A95E-24E50F226047}"/>
+              </a:ext>
+            </a:extLst>
+          </p:cNvPr>
+          <p:cNvPicPr>
+            <a:picLocks noChangeAspect="1"/>
+          </p:cNvPicPr>
+          <p:nvPr/>
+        </p:nvPicPr>
+        <p:blipFill>
+          <a:blip r:embed="rId2">
+            <a:extLst>
+              <a:ext uri="{28A0092B-C50C-407E-A947-70E740481C1C}">
+                <a14:useLocalDpi xmlns:a14="http://schemas.microsoft.com/office/drawing/2010/main" val="0"/>
+              </a:ext>
+            </a:extLst>
+          </a:blip>
+          <a:srcRect t="7671" b="11936"/>
+          <a:stretch>
+            <a:fillRect/>
+          </a:stretch>
+        </p:blipFill>
+        <p:spPr>
+          <a:xfrm>
+            <a:off x="7199698" y="2352099"/>
+            <a:ext cx="3683216" cy="2961047"/>
+          </a:xfrm>
+          <a:prstGeom prst="rect">
+            <a:avLst/>
+          </a:prstGeom>
+          <a:ln>
+            <a:noFill/>
+          </a:ln>
+          <a:effectLst>
+            <a:softEdge rad="112500"/>
+          </a:effectLst>
+        </p:spPr>
+      </p:pic>
     </p:spTree>
     <p:extLst>
       <p:ext uri="{BB962C8B-B14F-4D97-AF65-F5344CB8AC3E}">
@@ -10296,7 +10568,7 @@
           </a:lstStyle>
           <a:p>
             <a:r>
-              <a:rPr lang="en-US" sz="6000" b="1">
+              <a:rPr lang="en-US" sz="6000" b="1" dirty="0">
                 <a:solidFill>
                   <a:schemeClr val="accent3"/>
                 </a:solidFill>
@@ -10304,12 +10576,6 @@
               </a:rPr>
               <a:t>Count</a:t>
             </a:r>
-            <a:endParaRPr lang="en-US" sz="6000" b="1" dirty="0">
-              <a:solidFill>
-                <a:schemeClr val="accent3"/>
-              </a:solidFill>
-              <a:effectLst/>
-            </a:endParaRPr>
           </a:p>
         </p:txBody>
       </p:sp>
@@ -10484,6 +10750,42 @@
           </a:p>
         </p:txBody>
       </p:sp>
+      <p:pic>
+        <p:nvPicPr>
+          <p:cNvPr id="3" name="Picture 2">
+            <a:extLst>
+              <a:ext uri="{FF2B5EF4-FFF2-40B4-BE49-F238E27FC236}">
+                <a16:creationId xmlns:a16="http://schemas.microsoft.com/office/drawing/2014/main" id="{BE45DF17-1306-E17C-1409-3995AE7894ED}"/>
+              </a:ext>
+            </a:extLst>
+          </p:cNvPr>
+          <p:cNvPicPr>
+            <a:picLocks noChangeAspect="1"/>
+          </p:cNvPicPr>
+          <p:nvPr/>
+        </p:nvPicPr>
+        <p:blipFill>
+          <a:blip r:embed="rId2">
+            <a:extLst>
+              <a:ext uri="{28A0092B-C50C-407E-A947-70E740481C1C}">
+                <a14:useLocalDpi xmlns:a14="http://schemas.microsoft.com/office/drawing/2010/main" val="0"/>
+              </a:ext>
+            </a:extLst>
+          </a:blip>
+          <a:stretch>
+            <a:fillRect/>
+          </a:stretch>
+        </p:blipFill>
+        <p:spPr>
+          <a:xfrm>
+            <a:off x="7490460" y="2759724"/>
+            <a:ext cx="4088732" cy="1590062"/>
+          </a:xfrm>
+          <a:prstGeom prst="rect">
+            <a:avLst/>
+          </a:prstGeom>
+        </p:spPr>
+      </p:pic>
     </p:spTree>
     <p:extLst>
       <p:ext uri="{BB962C8B-B14F-4D97-AF65-F5344CB8AC3E}">
@@ -10846,6 +11148,48 @@
           </a:p>
         </p:txBody>
       </p:sp>
+      <p:pic>
+        <p:nvPicPr>
+          <p:cNvPr id="3" name="Picture 2">
+            <a:extLst>
+              <a:ext uri="{FF2B5EF4-FFF2-40B4-BE49-F238E27FC236}">
+                <a16:creationId xmlns:a16="http://schemas.microsoft.com/office/drawing/2014/main" id="{BE329DB9-719D-29AC-49A4-86F56C527CBD}"/>
+              </a:ext>
+            </a:extLst>
+          </p:cNvPr>
+          <p:cNvPicPr>
+            <a:picLocks noChangeAspect="1"/>
+          </p:cNvPicPr>
+          <p:nvPr/>
+        </p:nvPicPr>
+        <p:blipFill>
+          <a:blip r:embed="rId2">
+            <a:extLst>
+              <a:ext uri="{28A0092B-C50C-407E-A947-70E740481C1C}">
+                <a14:useLocalDpi xmlns:a14="http://schemas.microsoft.com/office/drawing/2010/main" val="0"/>
+              </a:ext>
+            </a:extLst>
+          </a:blip>
+          <a:stretch>
+            <a:fillRect/>
+          </a:stretch>
+        </p:blipFill>
+        <p:spPr>
+          <a:xfrm>
+            <a:off x="7074569" y="2427175"/>
+            <a:ext cx="4553251" cy="2394129"/>
+          </a:xfrm>
+          <a:prstGeom prst="rect">
+            <a:avLst/>
+          </a:prstGeom>
+          <a:ln>
+            <a:noFill/>
+          </a:ln>
+          <a:effectLst>
+            <a:softEdge rad="112500"/>
+          </a:effectLst>
+        </p:spPr>
+      </p:pic>
     </p:spTree>
     <p:extLst>
       <p:ext uri="{BB962C8B-B14F-4D97-AF65-F5344CB8AC3E}">
@@ -11216,6 +11560,43 @@
           </a:p>
         </p:txBody>
       </p:sp>
+      <p:pic>
+        <p:nvPicPr>
+          <p:cNvPr id="3" name="Picture 2">
+            <a:extLst>
+              <a:ext uri="{FF2B5EF4-FFF2-40B4-BE49-F238E27FC236}">
+                <a16:creationId xmlns:a16="http://schemas.microsoft.com/office/drawing/2014/main" id="{335EB9D0-81BF-AF6F-DA93-C2F57CA4A05B}"/>
+              </a:ext>
+            </a:extLst>
+          </p:cNvPr>
+          <p:cNvPicPr>
+            <a:picLocks noChangeAspect="1"/>
+          </p:cNvPicPr>
+          <p:nvPr/>
+        </p:nvPicPr>
+        <p:blipFill>
+          <a:blip r:embed="rId2">
+            <a:extLst>
+              <a:ext uri="{28A0092B-C50C-407E-A947-70E740481C1C}">
+                <a14:useLocalDpi xmlns:a14="http://schemas.microsoft.com/office/drawing/2010/main" val="0"/>
+              </a:ext>
+            </a:extLst>
+          </a:blip>
+          <a:srcRect l="16292" r="17349"/>
+          <a:stretch>
+            <a:fillRect/>
+          </a:stretch>
+        </p:blipFill>
+        <p:spPr>
+          <a:xfrm>
+            <a:off x="8547233" y="2497738"/>
+            <a:ext cx="2945331" cy="2564104"/>
+          </a:xfrm>
+          <a:prstGeom prst="rect">
+            <a:avLst/>
+          </a:prstGeom>
+        </p:spPr>
+      </p:pic>
     </p:spTree>
     <p:extLst>
       <p:ext uri="{BB962C8B-B14F-4D97-AF65-F5344CB8AC3E}">
@@ -11570,6 +11951,43 @@
           </a:p>
         </p:txBody>
       </p:sp>
+      <p:pic>
+        <p:nvPicPr>
+          <p:cNvPr id="3" name="Picture 2">
+            <a:extLst>
+              <a:ext uri="{FF2B5EF4-FFF2-40B4-BE49-F238E27FC236}">
+                <a16:creationId xmlns:a16="http://schemas.microsoft.com/office/drawing/2014/main" id="{19B9B590-133C-4380-077E-D86A8554C23E}"/>
+              </a:ext>
+            </a:extLst>
+          </p:cNvPr>
+          <p:cNvPicPr>
+            <a:picLocks noChangeAspect="1"/>
+          </p:cNvPicPr>
+          <p:nvPr/>
+        </p:nvPicPr>
+        <p:blipFill>
+          <a:blip r:embed="rId2">
+            <a:extLst>
+              <a:ext uri="{28A0092B-C50C-407E-A947-70E740481C1C}">
+                <a14:useLocalDpi xmlns:a14="http://schemas.microsoft.com/office/drawing/2010/main" val="0"/>
+              </a:ext>
+            </a:extLst>
+          </a:blip>
+          <a:srcRect l="18524" r="19563"/>
+          <a:stretch>
+            <a:fillRect/>
+          </a:stretch>
+        </p:blipFill>
+        <p:spPr>
+          <a:xfrm>
+            <a:off x="8699634" y="2353124"/>
+            <a:ext cx="2993456" cy="2793203"/>
+          </a:xfrm>
+          <a:prstGeom prst="rect">
+            <a:avLst/>
+          </a:prstGeom>
+        </p:spPr>
+      </p:pic>
     </p:spTree>
     <p:extLst>
       <p:ext uri="{BB962C8B-B14F-4D97-AF65-F5344CB8AC3E}">
@@ -11929,6 +12347,48 @@
           </a:p>
         </p:txBody>
       </p:sp>
+      <p:pic>
+        <p:nvPicPr>
+          <p:cNvPr id="5" name="Picture 4">
+            <a:extLst>
+              <a:ext uri="{FF2B5EF4-FFF2-40B4-BE49-F238E27FC236}">
+                <a16:creationId xmlns:a16="http://schemas.microsoft.com/office/drawing/2014/main" id="{C3B41994-7D52-784A-B0B5-2526C372B765}"/>
+              </a:ext>
+            </a:extLst>
+          </p:cNvPr>
+          <p:cNvPicPr>
+            <a:picLocks noChangeAspect="1"/>
+          </p:cNvPicPr>
+          <p:nvPr/>
+        </p:nvPicPr>
+        <p:blipFill>
+          <a:blip r:embed="rId2">
+            <a:extLst>
+              <a:ext uri="{28A0092B-C50C-407E-A947-70E740481C1C}">
+                <a14:useLocalDpi xmlns:a14="http://schemas.microsoft.com/office/drawing/2010/main" val="0"/>
+              </a:ext>
+            </a:extLst>
+          </a:blip>
+          <a:stretch>
+            <a:fillRect/>
+          </a:stretch>
+        </p:blipFill>
+        <p:spPr>
+          <a:xfrm>
+            <a:off x="6831831" y="2804179"/>
+            <a:ext cx="4861259" cy="2556081"/>
+          </a:xfrm>
+          <a:prstGeom prst="rect">
+            <a:avLst/>
+          </a:prstGeom>
+          <a:ln>
+            <a:noFill/>
+          </a:ln>
+          <a:effectLst>
+            <a:softEdge rad="112500"/>
+          </a:effectLst>
+        </p:spPr>
+      </p:pic>
     </p:spTree>
     <p:extLst>
       <p:ext uri="{BB962C8B-B14F-4D97-AF65-F5344CB8AC3E}">
